--- a/phase_02_validation/benchmark/benchmark_protein.pptx
+++ b/phase_02_validation/benchmark/benchmark_protein.pptx
@@ -3435,7 +3435,7 @@
         </p:blipFill>
         <p:spPr>
           <a:xfrm>
-            <a:off x="217908" y="3969742"/>
+            <a:off x="1344039" y="3880308"/>
             <a:ext cx="2359496" cy="314129"/>
           </a:xfrm>
           <a:prstGeom prst="rect">
@@ -3464,7 +3464,7 @@
         </p:blipFill>
         <p:spPr>
           <a:xfrm>
-            <a:off x="2310941" y="2584074"/>
+            <a:off x="3437072" y="2503886"/>
             <a:ext cx="2699795" cy="1124109"/>
           </a:xfrm>
           <a:prstGeom prst="rect">
@@ -3638,7 +3638,7 @@
         </p:blipFill>
         <p:spPr>
           <a:xfrm>
-            <a:off x="0" y="2626784"/>
+            <a:off x="1126131" y="2546596"/>
             <a:ext cx="2359496" cy="1038688"/>
           </a:xfrm>
           <a:prstGeom prst="rect">
@@ -3667,7 +3667,7 @@
         </p:blipFill>
         <p:spPr>
           <a:xfrm>
-            <a:off x="2433890" y="4002155"/>
+            <a:off x="3560021" y="3912721"/>
             <a:ext cx="2699795" cy="249302"/>
           </a:xfrm>
           <a:prstGeom prst="rect">
@@ -3696,7 +3696,7 @@
         </p:blipFill>
         <p:spPr>
           <a:xfrm>
-            <a:off x="6669409" y="2578292"/>
+            <a:off x="6170429" y="2498104"/>
             <a:ext cx="2434307" cy="1135673"/>
           </a:xfrm>
           <a:prstGeom prst="rect">
@@ -3725,7 +3725,7 @@
         </p:blipFill>
         <p:spPr>
           <a:xfrm>
-            <a:off x="9283495" y="2590288"/>
+            <a:off x="8784515" y="2510100"/>
             <a:ext cx="2699653" cy="1111681"/>
           </a:xfrm>
           <a:prstGeom prst="rect">
@@ -3754,7 +3754,7 @@
         </p:blipFill>
         <p:spPr>
           <a:xfrm>
-            <a:off x="6997042" y="3993214"/>
+            <a:off x="6498062" y="3903780"/>
             <a:ext cx="2434307" cy="267184"/>
           </a:xfrm>
           <a:prstGeom prst="rect">
@@ -3783,7 +3783,7 @@
         </p:blipFill>
         <p:spPr>
           <a:xfrm>
-            <a:off x="9367730" y="3982451"/>
+            <a:off x="8868750" y="3893017"/>
             <a:ext cx="2816153" cy="288710"/>
           </a:xfrm>
           <a:prstGeom prst="rect">
@@ -3812,7 +3812,7 @@
         </p:blipFill>
         <p:spPr>
           <a:xfrm>
-            <a:off x="951308" y="4681596"/>
+            <a:off x="452328" y="4681596"/>
             <a:ext cx="3008977" cy="1111682"/>
           </a:xfrm>
           <a:prstGeom prst="rect">
@@ -3841,7 +3841,7 @@
         </p:blipFill>
         <p:spPr>
           <a:xfrm>
-            <a:off x="4158559" y="4775458"/>
+            <a:off x="3659579" y="4775458"/>
             <a:ext cx="2593431" cy="923959"/>
           </a:xfrm>
           <a:prstGeom prst="rect">
@@ -3870,7 +3870,7 @@
         </p:blipFill>
         <p:spPr>
           <a:xfrm>
-            <a:off x="894152" y="5882619"/>
+            <a:off x="395172" y="5882619"/>
             <a:ext cx="3008977" cy="341758"/>
           </a:xfrm>
           <a:prstGeom prst="rect">
@@ -3899,7 +3899,7 @@
         </p:blipFill>
         <p:spPr>
           <a:xfrm>
-            <a:off x="4417644" y="5893700"/>
+            <a:off x="3918664" y="5893700"/>
             <a:ext cx="2593431" cy="319596"/>
           </a:xfrm>
           <a:prstGeom prst="rect">
@@ -3909,10 +3909,10 @@
       </p:pic>
       <p:pic>
         <p:nvPicPr>
-          <p:cNvPr id="2" name="图片 1">
-            <a:extLst>
-              <a:ext uri="{FF2B5EF4-FFF2-40B4-BE49-F238E27FC236}">
-                <a16:creationId xmlns:a16="http://schemas.microsoft.com/office/drawing/2014/main" id="{CAC6090D-0F25-4603-BB6B-69C063EA4E7D}"/>
+          <p:cNvPr id="34" name="图片 33">
+            <a:extLst>
+              <a:ext uri="{FF2B5EF4-FFF2-40B4-BE49-F238E27FC236}">
+                <a16:creationId xmlns:a16="http://schemas.microsoft.com/office/drawing/2014/main" id="{0840DC62-E75A-40F0-98BA-C30CFFBE0E47}"/>
               </a:ext>
             </a:extLst>
           </p:cNvPr>
@@ -3923,13 +3923,13 @@
         </p:nvPicPr>
         <p:blipFill rotWithShape="1">
           <a:blip r:embed="rId12"/>
-          <a:srcRect r="41138" b="49428"/>
+          <a:srcRect t="3693" b="62564"/>
           <a:stretch/>
         </p:blipFill>
         <p:spPr>
           <a:xfrm>
-            <a:off x="5139803" y="2648971"/>
-            <a:ext cx="1529606" cy="994315"/>
+            <a:off x="6322821" y="4750749"/>
+            <a:ext cx="2434307" cy="973376"/>
           </a:xfrm>
           <a:prstGeom prst="rect">
             <a:avLst/>
@@ -3938,10 +3938,39 @@
       </p:pic>
       <p:pic>
         <p:nvPicPr>
-          <p:cNvPr id="33" name="图片 32">
-            <a:extLst>
-              <a:ext uri="{FF2B5EF4-FFF2-40B4-BE49-F238E27FC236}">
-                <a16:creationId xmlns:a16="http://schemas.microsoft.com/office/drawing/2014/main" id="{5E85B3E7-E7EB-4CF8-831F-3E7F00B6A32D}"/>
+          <p:cNvPr id="35" name="图片 34">
+            <a:extLst>
+              <a:ext uri="{FF2B5EF4-FFF2-40B4-BE49-F238E27FC236}">
+                <a16:creationId xmlns:a16="http://schemas.microsoft.com/office/drawing/2014/main" id="{C87EAA09-135B-47B1-82F3-46BF3FC4E150}"/>
+              </a:ext>
+            </a:extLst>
+          </p:cNvPr>
+          <p:cNvPicPr>
+            <a:picLocks noChangeAspect="1"/>
+          </p:cNvPicPr>
+          <p:nvPr/>
+        </p:nvPicPr>
+        <p:blipFill rotWithShape="1">
+          <a:blip r:embed="rId13"/>
+          <a:srcRect t="10020" b="61585"/>
+          <a:stretch/>
+        </p:blipFill>
+        <p:spPr>
+          <a:xfrm>
+            <a:off x="8477042" y="4750750"/>
+            <a:ext cx="2493076" cy="973375"/>
+          </a:xfrm>
+          <a:prstGeom prst="rect">
+            <a:avLst/>
+          </a:prstGeom>
+        </p:spPr>
+      </p:pic>
+      <p:pic>
+        <p:nvPicPr>
+          <p:cNvPr id="36" name="图片 35">
+            <a:extLst>
+              <a:ext uri="{FF2B5EF4-FFF2-40B4-BE49-F238E27FC236}">
+                <a16:creationId xmlns:a16="http://schemas.microsoft.com/office/drawing/2014/main" id="{C2F32A02-79F5-411B-937A-B46CD89C5476}"/>
               </a:ext>
             </a:extLst>
           </p:cNvPr>
@@ -3952,13 +3981,13 @@
         </p:nvPicPr>
         <p:blipFill rotWithShape="1">
           <a:blip r:embed="rId12"/>
-          <a:srcRect l="-825" t="88472" r="41963" b="-611"/>
+          <a:srcRect t="81777" b="9067"/>
           <a:stretch/>
         </p:blipFill>
         <p:spPr>
           <a:xfrm>
-            <a:off x="5080414" y="3962203"/>
-            <a:ext cx="2109952" cy="329207"/>
+            <a:off x="6498062" y="5921443"/>
+            <a:ext cx="2434307" cy="264111"/>
           </a:xfrm>
           <a:prstGeom prst="rect">
             <a:avLst/>
@@ -3967,10 +3996,10 @@
       </p:pic>
       <p:pic>
         <p:nvPicPr>
-          <p:cNvPr id="34" name="图片 33">
-            <a:extLst>
-              <a:ext uri="{FF2B5EF4-FFF2-40B4-BE49-F238E27FC236}">
-                <a16:creationId xmlns:a16="http://schemas.microsoft.com/office/drawing/2014/main" id="{0840DC62-E75A-40F0-98BA-C30CFFBE0E47}"/>
+          <p:cNvPr id="37" name="图片 36">
+            <a:extLst>
+              <a:ext uri="{FF2B5EF4-FFF2-40B4-BE49-F238E27FC236}">
+                <a16:creationId xmlns:a16="http://schemas.microsoft.com/office/drawing/2014/main" id="{1B78DE33-6C64-491E-9E96-A1298672ACA2}"/>
               </a:ext>
             </a:extLst>
           </p:cNvPr>
@@ -3981,99 +4010,12 @@
         </p:nvPicPr>
         <p:blipFill rotWithShape="1">
           <a:blip r:embed="rId13"/>
-          <a:srcRect t="3693" b="62564"/>
-          <a:stretch/>
-        </p:blipFill>
-        <p:spPr>
-          <a:xfrm>
-            <a:off x="6821801" y="4750749"/>
-            <a:ext cx="2434307" cy="973376"/>
-          </a:xfrm>
-          <a:prstGeom prst="rect">
-            <a:avLst/>
-          </a:prstGeom>
-        </p:spPr>
-      </p:pic>
-      <p:pic>
-        <p:nvPicPr>
-          <p:cNvPr id="35" name="图片 34">
-            <a:extLst>
-              <a:ext uri="{FF2B5EF4-FFF2-40B4-BE49-F238E27FC236}">
-                <a16:creationId xmlns:a16="http://schemas.microsoft.com/office/drawing/2014/main" id="{C87EAA09-135B-47B1-82F3-46BF3FC4E150}"/>
-              </a:ext>
-            </a:extLst>
-          </p:cNvPr>
-          <p:cNvPicPr>
-            <a:picLocks noChangeAspect="1"/>
-          </p:cNvPicPr>
-          <p:nvPr/>
-        </p:nvPicPr>
-        <p:blipFill rotWithShape="1">
-          <a:blip r:embed="rId14"/>
-          <a:srcRect t="10020" b="61585"/>
-          <a:stretch/>
-        </p:blipFill>
-        <p:spPr>
-          <a:xfrm>
-            <a:off x="8976022" y="4750750"/>
-            <a:ext cx="2493076" cy="973375"/>
-          </a:xfrm>
-          <a:prstGeom prst="rect">
-            <a:avLst/>
-          </a:prstGeom>
-        </p:spPr>
-      </p:pic>
-      <p:pic>
-        <p:nvPicPr>
-          <p:cNvPr id="36" name="图片 35">
-            <a:extLst>
-              <a:ext uri="{FF2B5EF4-FFF2-40B4-BE49-F238E27FC236}">
-                <a16:creationId xmlns:a16="http://schemas.microsoft.com/office/drawing/2014/main" id="{C2F32A02-79F5-411B-937A-B46CD89C5476}"/>
-              </a:ext>
-            </a:extLst>
-          </p:cNvPr>
-          <p:cNvPicPr>
-            <a:picLocks noChangeAspect="1"/>
-          </p:cNvPicPr>
-          <p:nvPr/>
-        </p:nvPicPr>
-        <p:blipFill rotWithShape="1">
-          <a:blip r:embed="rId13"/>
-          <a:srcRect t="81777" b="9067"/>
-          <a:stretch/>
-        </p:blipFill>
-        <p:spPr>
-          <a:xfrm>
-            <a:off x="6997042" y="5921443"/>
-            <a:ext cx="2434307" cy="264111"/>
-          </a:xfrm>
-          <a:prstGeom prst="rect">
-            <a:avLst/>
-          </a:prstGeom>
-        </p:spPr>
-      </p:pic>
-      <p:pic>
-        <p:nvPicPr>
-          <p:cNvPr id="37" name="图片 36">
-            <a:extLst>
-              <a:ext uri="{FF2B5EF4-FFF2-40B4-BE49-F238E27FC236}">
-                <a16:creationId xmlns:a16="http://schemas.microsoft.com/office/drawing/2014/main" id="{1B78DE33-6C64-491E-9E96-A1298672ACA2}"/>
-              </a:ext>
-            </a:extLst>
-          </p:cNvPr>
-          <p:cNvPicPr>
-            <a:picLocks noChangeAspect="1"/>
-          </p:cNvPicPr>
-          <p:nvPr/>
-        </p:nvPicPr>
-        <p:blipFill rotWithShape="1">
-          <a:blip r:embed="rId14"/>
           <a:srcRect l="-1395" t="82982" r="1395" b="6961"/>
           <a:stretch/>
         </p:blipFill>
         <p:spPr>
           <a:xfrm>
-            <a:off x="9506389" y="5921443"/>
+            <a:off x="9007409" y="5921443"/>
             <a:ext cx="1910003" cy="264111"/>
           </a:xfrm>
           <a:prstGeom prst="rect">

--- a/phase_02_validation/benchmark/benchmark_protein.pptx
+++ b/phase_02_validation/benchmark/benchmark_protein.pptx
@@ -260,7 +260,7 @@
           <a:p>
             <a:fld id="{06FC698E-7896-4877-82F4-3E812FD38A7B}" type="datetimeFigureOut">
               <a:rPr lang="zh-CN" altLang="en-US" smtClean="0"/>
-              <a:t>2021/4/17</a:t>
+              <a:t>2021/4/29</a:t>
             </a:fld>
             <a:endParaRPr lang="zh-CN" altLang="en-US"/>
           </a:p>
@@ -458,7 +458,7 @@
           <a:p>
             <a:fld id="{06FC698E-7896-4877-82F4-3E812FD38A7B}" type="datetimeFigureOut">
               <a:rPr lang="zh-CN" altLang="en-US" smtClean="0"/>
-              <a:t>2021/4/17</a:t>
+              <a:t>2021/4/29</a:t>
             </a:fld>
             <a:endParaRPr lang="zh-CN" altLang="en-US"/>
           </a:p>
@@ -666,7 +666,7 @@
           <a:p>
             <a:fld id="{06FC698E-7896-4877-82F4-3E812FD38A7B}" type="datetimeFigureOut">
               <a:rPr lang="zh-CN" altLang="en-US" smtClean="0"/>
-              <a:t>2021/4/17</a:t>
+              <a:t>2021/4/29</a:t>
             </a:fld>
             <a:endParaRPr lang="zh-CN" altLang="en-US"/>
           </a:p>
@@ -864,7 +864,7 @@
           <a:p>
             <a:fld id="{06FC698E-7896-4877-82F4-3E812FD38A7B}" type="datetimeFigureOut">
               <a:rPr lang="zh-CN" altLang="en-US" smtClean="0"/>
-              <a:t>2021/4/17</a:t>
+              <a:t>2021/4/29</a:t>
             </a:fld>
             <a:endParaRPr lang="zh-CN" altLang="en-US"/>
           </a:p>
@@ -1139,7 +1139,7 @@
           <a:p>
             <a:fld id="{06FC698E-7896-4877-82F4-3E812FD38A7B}" type="datetimeFigureOut">
               <a:rPr lang="zh-CN" altLang="en-US" smtClean="0"/>
-              <a:t>2021/4/17</a:t>
+              <a:t>2021/4/29</a:t>
             </a:fld>
             <a:endParaRPr lang="zh-CN" altLang="en-US"/>
           </a:p>
@@ -1404,7 +1404,7 @@
           <a:p>
             <a:fld id="{06FC698E-7896-4877-82F4-3E812FD38A7B}" type="datetimeFigureOut">
               <a:rPr lang="zh-CN" altLang="en-US" smtClean="0"/>
-              <a:t>2021/4/17</a:t>
+              <a:t>2021/4/29</a:t>
             </a:fld>
             <a:endParaRPr lang="zh-CN" altLang="en-US"/>
           </a:p>
@@ -1816,7 +1816,7 @@
           <a:p>
             <a:fld id="{06FC698E-7896-4877-82F4-3E812FD38A7B}" type="datetimeFigureOut">
               <a:rPr lang="zh-CN" altLang="en-US" smtClean="0"/>
-              <a:t>2021/4/17</a:t>
+              <a:t>2021/4/29</a:t>
             </a:fld>
             <a:endParaRPr lang="zh-CN" altLang="en-US"/>
           </a:p>
@@ -1957,7 +1957,7 @@
           <a:p>
             <a:fld id="{06FC698E-7896-4877-82F4-3E812FD38A7B}" type="datetimeFigureOut">
               <a:rPr lang="zh-CN" altLang="en-US" smtClean="0"/>
-              <a:t>2021/4/17</a:t>
+              <a:t>2021/4/29</a:t>
             </a:fld>
             <a:endParaRPr lang="zh-CN" altLang="en-US"/>
           </a:p>
@@ -2070,7 +2070,7 @@
           <a:p>
             <a:fld id="{06FC698E-7896-4877-82F4-3E812FD38A7B}" type="datetimeFigureOut">
               <a:rPr lang="zh-CN" altLang="en-US" smtClean="0"/>
-              <a:t>2021/4/17</a:t>
+              <a:t>2021/4/29</a:t>
             </a:fld>
             <a:endParaRPr lang="zh-CN" altLang="en-US"/>
           </a:p>
@@ -2381,7 +2381,7 @@
           <a:p>
             <a:fld id="{06FC698E-7896-4877-82F4-3E812FD38A7B}" type="datetimeFigureOut">
               <a:rPr lang="zh-CN" altLang="en-US" smtClean="0"/>
-              <a:t>2021/4/17</a:t>
+              <a:t>2021/4/29</a:t>
             </a:fld>
             <a:endParaRPr lang="zh-CN" altLang="en-US"/>
           </a:p>
@@ -2669,7 +2669,7 @@
           <a:p>
             <a:fld id="{06FC698E-7896-4877-82F4-3E812FD38A7B}" type="datetimeFigureOut">
               <a:rPr lang="zh-CN" altLang="en-US" smtClean="0"/>
-              <a:t>2021/4/17</a:t>
+              <a:t>2021/4/29</a:t>
             </a:fld>
             <a:endParaRPr lang="zh-CN" altLang="en-US"/>
           </a:p>
@@ -2910,7 +2910,7 @@
           <a:p>
             <a:fld id="{06FC698E-7896-4877-82F4-3E812FD38A7B}" type="datetimeFigureOut">
               <a:rPr lang="zh-CN" altLang="en-US" smtClean="0"/>
-              <a:t>2021/4/17</a:t>
+              <a:t>2021/4/29</a:t>
             </a:fld>
             <a:endParaRPr lang="zh-CN" altLang="en-US"/>
           </a:p>
